--- a/Cutted-Die Methode der latenten Klassenanalyse.pptx
+++ b/Cutted-Die Methode der latenten Klassenanalyse.pptx
@@ -29,7 +29,7 @@
     <p:sldId id="299" r:id="rId20"/>
     <p:sldId id="294" r:id="rId21"/>
     <p:sldId id="292" r:id="rId22"/>
-    <p:sldId id="278" r:id="rId23"/>
+    <p:sldId id="306" r:id="rId23"/>
     <p:sldId id="301" r:id="rId24"/>
     <p:sldId id="303" r:id="rId25"/>
   </p:sldIdLst>
@@ -220,7 +220,7 @@
           <a:p>
             <a:fld id="{1EAF2914-A189-417E-8CE1-3DE419680B7E}" type="datetimeFigureOut">
               <a:rPr lang="de-DE" smtClean="0"/>
-              <a:t>28.05.2024</a:t>
+              <a:t>15.07.2024</a:t>
             </a:fld>
             <a:endParaRPr lang="de-DE"/>
           </a:p>
@@ -1894,7 +1894,7 @@
           <a:p>
             <a:fld id="{44D283F1-7BE0-49CC-A646-3C989056FCA8}" type="datetime1">
               <a:rPr lang="de-DE" smtClean="0"/>
-              <a:t>28.05.2024</a:t>
+              <a:t>15.07.2024</a:t>
             </a:fld>
             <a:endParaRPr lang="de-DE"/>
           </a:p>
@@ -2092,7 +2092,7 @@
           <a:p>
             <a:fld id="{1C156ED4-C49A-4703-BD87-A43486DB0506}" type="datetime1">
               <a:rPr lang="de-DE" smtClean="0"/>
-              <a:t>28.05.2024</a:t>
+              <a:t>15.07.2024</a:t>
             </a:fld>
             <a:endParaRPr lang="de-DE"/>
           </a:p>
@@ -2300,7 +2300,7 @@
           <a:p>
             <a:fld id="{7C312844-AFC3-4F04-9BA3-095D584396B5}" type="datetime1">
               <a:rPr lang="de-DE" smtClean="0"/>
-              <a:t>28.05.2024</a:t>
+              <a:t>15.07.2024</a:t>
             </a:fld>
             <a:endParaRPr lang="de-DE"/>
           </a:p>
@@ -2498,7 +2498,7 @@
           <a:p>
             <a:fld id="{3FD7C6E5-71F4-4B4C-BDF2-01E601A1EF68}" type="datetime1">
               <a:rPr lang="de-DE" smtClean="0"/>
-              <a:t>28.05.2024</a:t>
+              <a:t>15.07.2024</a:t>
             </a:fld>
             <a:endParaRPr lang="de-DE"/>
           </a:p>
@@ -2773,7 +2773,7 @@
           <a:p>
             <a:fld id="{381A51FD-2D03-4D53-A3C6-447A4B9A253E}" type="datetime1">
               <a:rPr lang="de-DE" smtClean="0"/>
-              <a:t>28.05.2024</a:t>
+              <a:t>15.07.2024</a:t>
             </a:fld>
             <a:endParaRPr lang="de-DE"/>
           </a:p>
@@ -3038,7 +3038,7 @@
           <a:p>
             <a:fld id="{31D96CED-D1E4-4665-B25C-870C194C3D2D}" type="datetime1">
               <a:rPr lang="de-DE" smtClean="0"/>
-              <a:t>28.05.2024</a:t>
+              <a:t>15.07.2024</a:t>
             </a:fld>
             <a:endParaRPr lang="de-DE"/>
           </a:p>
@@ -3450,7 +3450,7 @@
           <a:p>
             <a:fld id="{06B9A0F3-1205-4614-B883-F0E9F63AB377}" type="datetime1">
               <a:rPr lang="de-DE" smtClean="0"/>
-              <a:t>28.05.2024</a:t>
+              <a:t>15.07.2024</a:t>
             </a:fld>
             <a:endParaRPr lang="de-DE"/>
           </a:p>
@@ -3591,7 +3591,7 @@
           <a:p>
             <a:fld id="{45307BCB-901B-449C-B6AF-0B52AB795635}" type="datetime1">
               <a:rPr lang="de-DE" smtClean="0"/>
-              <a:t>28.05.2024</a:t>
+              <a:t>15.07.2024</a:t>
             </a:fld>
             <a:endParaRPr lang="de-DE"/>
           </a:p>
@@ -3704,7 +3704,7 @@
           <a:p>
             <a:fld id="{024E2BCB-B78A-4C7D-8266-4BD360643A9B}" type="datetime1">
               <a:rPr lang="de-DE" smtClean="0"/>
-              <a:t>28.05.2024</a:t>
+              <a:t>15.07.2024</a:t>
             </a:fld>
             <a:endParaRPr lang="de-DE"/>
           </a:p>
@@ -4015,7 +4015,7 @@
           <a:p>
             <a:fld id="{AC242A17-9516-4695-AA6D-183030BC9B8F}" type="datetime1">
               <a:rPr lang="de-DE" smtClean="0"/>
-              <a:t>28.05.2024</a:t>
+              <a:t>15.07.2024</a:t>
             </a:fld>
             <a:endParaRPr lang="de-DE"/>
           </a:p>
@@ -4303,7 +4303,7 @@
           <a:p>
             <a:fld id="{49587CDE-179D-4819-BC56-DD2DFDB2716D}" type="datetime1">
               <a:rPr lang="de-DE" smtClean="0"/>
-              <a:t>28.05.2024</a:t>
+              <a:t>15.07.2024</a:t>
             </a:fld>
             <a:endParaRPr lang="de-DE"/>
           </a:p>
@@ -4547,7 +4547,7 @@
           <a:p>
             <a:fld id="{FC1F98D9-A6F7-4C10-8FF5-625995F80EBD}" type="datetime1">
               <a:rPr lang="de-DE" smtClean="0"/>
-              <a:t>28.05.2024</a:t>
+              <a:t>15.07.2024</a:t>
             </a:fld>
             <a:endParaRPr lang="de-DE"/>
           </a:p>
@@ -5588,7 +5588,7 @@
             </a:pPr>
             <a:r>
               <a:rPr lang="de-DE" dirty="0"/>
-              <a:t>Indikatoren müssen integer-Werte (</a:t>
+              <a:t>Indikatoren müssen integer-Werte besitzen (</a:t>
             </a:r>
             <a:r>
               <a:rPr lang="de-DE" dirty="0">
@@ -5598,7 +5598,7 @@
             </a:r>
             <a:r>
               <a:rPr lang="de-DE" dirty="0"/>
-              <a:t> besitzen:</a:t>
+              <a:t>:</a:t>
             </a:r>
           </a:p>
           <a:p>
@@ -8334,7 +8334,7 @@
         <p:spPr>
           <a:xfrm>
             <a:off x="838200" y="1825625"/>
-            <a:ext cx="10357624" cy="4351338"/>
+            <a:ext cx="10357624" cy="4667250"/>
           </a:xfrm>
         </p:spPr>
         <p:txBody>
@@ -8485,6 +8485,18 @@
                 <a:sym typeface="Wingdings" panose="05000000000000000000" pitchFamily="2" charset="2"/>
               </a:rPr>
               <a:t>- und Standardmodell nicht genestet (Unvergleichbar)</a:t>
+            </a:r>
+          </a:p>
+          <a:p>
+            <a:pPr>
+              <a:buFont typeface="Wingdings" panose="05000000000000000000" pitchFamily="2" charset="2"/>
+              <a:buChar char="Ø"/>
+            </a:pPr>
+            <a:r>
+              <a:rPr lang="de-DE" sz="2400" dirty="0">
+                <a:sym typeface="Wingdings" panose="05000000000000000000" pitchFamily="2" charset="2"/>
+              </a:rPr>
+              <a:t> Es lassen sich lediglich manifeste Variablen mit 2 Ausprägungen modellieren</a:t>
             </a:r>
           </a:p>
           <a:p>
@@ -8527,7 +8539,7 @@
     </p:spTree>
     <p:extLst>
       <p:ext uri="{BB962C8B-B14F-4D97-AF65-F5344CB8AC3E}">
-        <p14:creationId xmlns:p14="http://schemas.microsoft.com/office/powerpoint/2010/main" val="3902125984"/>
+        <p14:creationId xmlns:p14="http://schemas.microsoft.com/office/powerpoint/2010/main" val="1261269528"/>
       </p:ext>
     </p:extLst>
   </p:cSld>
@@ -9439,7 +9451,17 @@
             </a:r>
             <a:r>
               <a:rPr lang="de-DE" sz="2000" dirty="0"/>
-              <a:t> | GitHub)</a:t>
+              <a:t> | </a:t>
+            </a:r>
+            <a:r>
+              <a:rPr lang="de-DE" sz="2000" dirty="0">
+                <a:hlinkClick r:id="rId3"/>
+              </a:rPr>
+              <a:t>GitHub</a:t>
+            </a:r>
+            <a:r>
+              <a:rPr lang="de-DE" sz="2000" dirty="0"/>
+              <a:t>)</a:t>
             </a:r>
             <a:endParaRPr lang="de-DE" sz="200" dirty="0"/>
           </a:p>
@@ -9512,7 +9534,17 @@
             </a:r>
             <a:r>
               <a:rPr lang="de-DE" sz="2000" dirty="0"/>
-              <a:t> | GitHub)</a:t>
+              <a:t> | </a:t>
+            </a:r>
+            <a:r>
+              <a:rPr lang="de-DE" sz="2000" dirty="0">
+                <a:hlinkClick r:id="rId4"/>
+              </a:rPr>
+              <a:t>GitHub</a:t>
+            </a:r>
+            <a:r>
+              <a:rPr lang="de-DE" sz="2000" dirty="0"/>
+              <a:t>)</a:t>
             </a:r>
           </a:p>
           <a:p>
